--- a/PROYECTO/01 Medium Level/PROY_M00.pptx
+++ b/PROYECTO/01 Medium Level/PROY_M00.pptx
@@ -5,7 +5,7 @@
     <p:sldMasterId id="2147483659" r:id="rId1"/>
   </p:sldMasterIdLst>
   <p:notesMasterIdLst>
-    <p:notesMasterId r:id="rId14"/>
+    <p:notesMasterId r:id="rId15"/>
   </p:notesMasterIdLst>
   <p:sldIdLst>
     <p:sldId id="256" r:id="rId2"/>
@@ -20,23 +20,24 @@
     <p:sldId id="272" r:id="rId11"/>
     <p:sldId id="267" r:id="rId12"/>
     <p:sldId id="265" r:id="rId13"/>
+    <p:sldId id="273" r:id="rId14"/>
   </p:sldIdLst>
   <p:sldSz cx="9144000" cy="5143500" type="screen16x9"/>
   <p:notesSz cx="6858000" cy="9144000"/>
   <p:embeddedFontLst>
     <p:embeddedFont>
       <p:font typeface="72" panose="020B0503030000000003" pitchFamily="34" charset="0"/>
-      <p:regular r:id="rId15"/>
-      <p:bold r:id="rId16"/>
-      <p:italic r:id="rId17"/>
-      <p:boldItalic r:id="rId18"/>
+      <p:regular r:id="rId16"/>
+      <p:bold r:id="rId17"/>
+      <p:italic r:id="rId18"/>
+      <p:boldItalic r:id="rId19"/>
     </p:embeddedFont>
     <p:embeddedFont>
       <p:font typeface="Roboto" panose="020B0604020202020204" charset="0"/>
-      <p:regular r:id="rId19"/>
-      <p:bold r:id="rId20"/>
-      <p:italic r:id="rId21"/>
-      <p:boldItalic r:id="rId22"/>
+      <p:regular r:id="rId20"/>
+      <p:bold r:id="rId21"/>
+      <p:italic r:id="rId22"/>
+      <p:boldItalic r:id="rId23"/>
     </p:embeddedFont>
   </p:embeddedFontLst>
   <p:defaultTextStyle>
@@ -7133,6 +7134,201 @@
 </p:sld>
 </file>
 
+<file path=ppt/slides/slide13.xml><?xml version="1.0" encoding="utf-8"?>
+<p:sld xmlns:a="http://schemas.openxmlformats.org/drawingml/2006/main" xmlns:r="http://schemas.openxmlformats.org/officeDocument/2006/relationships" xmlns:p="http://schemas.openxmlformats.org/presentationml/2006/main">
+  <p:cSld>
+    <p:spTree>
+      <p:nvGrpSpPr>
+        <p:cNvPr id="1" name=""/>
+        <p:cNvGrpSpPr/>
+        <p:nvPr/>
+      </p:nvGrpSpPr>
+      <p:grpSpPr>
+        <a:xfrm>
+          <a:off x="0" y="0"/>
+          <a:ext cx="0" cy="0"/>
+          <a:chOff x="0" y="0"/>
+          <a:chExt cx="0" cy="0"/>
+        </a:xfrm>
+      </p:grpSpPr>
+      <p:sp>
+        <p:nvSpPr>
+          <p:cNvPr id="2" name="Title 1">
+            <a:extLst>
+              <a:ext uri="{FF2B5EF4-FFF2-40B4-BE49-F238E27FC236}">
+                <a16:creationId xmlns:a16="http://schemas.microsoft.com/office/drawing/2014/main" id="{4E3051B8-F879-4339-9B09-D4A8FA9E1051}"/>
+              </a:ext>
+            </a:extLst>
+          </p:cNvPr>
+          <p:cNvSpPr>
+            <a:spLocks noGrp="1"/>
+          </p:cNvSpPr>
+          <p:nvPr>
+            <p:ph type="title"/>
+          </p:nvPr>
+        </p:nvSpPr>
+        <p:spPr>
+          <a:xfrm>
+            <a:off x="226077" y="741218"/>
+            <a:ext cx="3057449" cy="3657600"/>
+          </a:xfrm>
+        </p:spPr>
+        <p:txBody>
+          <a:bodyPr anchor="ctr"/>
+          <a:lstStyle/>
+          <a:p>
+            <a:r>
+              <a:rPr lang="es-MX" dirty="0"/>
+              <a:t>Comentarios Finales</a:t>
+            </a:r>
+            <a:endParaRPr lang="en-US" dirty="0"/>
+          </a:p>
+        </p:txBody>
+      </p:sp>
+      <p:sp>
+        <p:nvSpPr>
+          <p:cNvPr id="4" name="TextBox 3">
+            <a:extLst>
+              <a:ext uri="{FF2B5EF4-FFF2-40B4-BE49-F238E27FC236}">
+                <a16:creationId xmlns:a16="http://schemas.microsoft.com/office/drawing/2014/main" id="{28676DA8-7489-49EB-9445-4B9A0FE7CE52}"/>
+              </a:ext>
+            </a:extLst>
+          </p:cNvPr>
+          <p:cNvSpPr txBox="1"/>
+          <p:nvPr/>
+        </p:nvSpPr>
+        <p:spPr>
+          <a:xfrm>
+            <a:off x="3567545" y="357800"/>
+            <a:ext cx="5146964" cy="2554545"/>
+          </a:xfrm>
+          <a:prstGeom prst="rect">
+            <a:avLst/>
+          </a:prstGeom>
+          <a:noFill/>
+        </p:spPr>
+        <p:txBody>
+          <a:bodyPr wrap="square" rtlCol="0">
+            <a:spAutoFit/>
+          </a:bodyPr>
+          <a:lstStyle/>
+          <a:p>
+            <a:r>
+              <a:rPr lang="es-MX" sz="2000" b="1" dirty="0">
+                <a:latin typeface="72" panose="020B0503030000000003" pitchFamily="34" charset="0"/>
+                <a:ea typeface="Roboto" panose="020B0604020202020204" charset="0"/>
+                <a:cs typeface="72" panose="020B0503030000000003" pitchFamily="34" charset="0"/>
+              </a:rPr>
+              <a:t>Modalidad de trabajo</a:t>
+            </a:r>
+          </a:p>
+          <a:p>
+            <a:pPr marL="342900" indent="-342900">
+              <a:buFont typeface="Arial" panose="020B0604020202020204" pitchFamily="34" charset="0"/>
+              <a:buChar char="•"/>
+            </a:pPr>
+            <a:r>
+              <a:rPr lang="es-MX" sz="2000" dirty="0">
+                <a:latin typeface="72" panose="020B0503030000000003" pitchFamily="34" charset="0"/>
+                <a:ea typeface="Roboto" panose="020B0604020202020204" charset="0"/>
+                <a:cs typeface="72" panose="020B0503030000000003" pitchFamily="34" charset="0"/>
+              </a:rPr>
+              <a:t>Individual, o en equipos de dos</a:t>
+            </a:r>
+          </a:p>
+          <a:p>
+            <a:endParaRPr lang="es-MX" sz="2000" dirty="0">
+              <a:latin typeface="72" panose="020B0503030000000003" pitchFamily="34" charset="0"/>
+              <a:ea typeface="Roboto" panose="020B0604020202020204" charset="0"/>
+              <a:cs typeface="72" panose="020B0503030000000003" pitchFamily="34" charset="0"/>
+            </a:endParaRPr>
+          </a:p>
+          <a:p>
+            <a:r>
+              <a:rPr lang="es-MX" sz="2000" b="1" dirty="0">
+                <a:latin typeface="72" panose="020B0503030000000003" pitchFamily="34" charset="0"/>
+                <a:ea typeface="Roboto" panose="020B0604020202020204" charset="0"/>
+                <a:cs typeface="72" panose="020B0503030000000003" pitchFamily="34" charset="0"/>
+              </a:rPr>
+              <a:t>Ponderación</a:t>
+            </a:r>
+          </a:p>
+          <a:p>
+            <a:pPr marL="342900" indent="-342900">
+              <a:buFont typeface="Arial" panose="020B0604020202020204" pitchFamily="34" charset="0"/>
+              <a:buChar char="•"/>
+            </a:pPr>
+            <a:r>
+              <a:rPr lang="es-MX" sz="2000" dirty="0">
+                <a:latin typeface="72" panose="020B0503030000000003" pitchFamily="34" charset="0"/>
+                <a:ea typeface="Roboto" panose="020B0604020202020204" charset="0"/>
+                <a:cs typeface="72" panose="020B0503030000000003" pitchFamily="34" charset="0"/>
+              </a:rPr>
+              <a:t>Examen final: 30 puntos</a:t>
+            </a:r>
+          </a:p>
+          <a:p>
+            <a:pPr marL="342900" indent="-342900">
+              <a:buFont typeface="Arial" panose="020B0604020202020204" pitchFamily="34" charset="0"/>
+              <a:buChar char="•"/>
+            </a:pPr>
+            <a:r>
+              <a:rPr lang="es-MX" sz="2000" dirty="0">
+                <a:latin typeface="72" panose="020B0503030000000003" pitchFamily="34" charset="0"/>
+                <a:ea typeface="Roboto" panose="020B0604020202020204" charset="0"/>
+                <a:cs typeface="72" panose="020B0503030000000003" pitchFamily="34" charset="0"/>
+              </a:rPr>
+              <a:t>Actividad integradora: 20 puntos</a:t>
+            </a:r>
+          </a:p>
+          <a:p>
+            <a:pPr marL="342900" indent="-342900">
+              <a:buFont typeface="Arial" panose="020B0604020202020204" pitchFamily="34" charset="0"/>
+              <a:buChar char="•"/>
+            </a:pPr>
+            <a:r>
+              <a:rPr lang="es-MX" sz="2000" dirty="0">
+                <a:latin typeface="72" panose="020B0503030000000003" pitchFamily="34" charset="0"/>
+                <a:ea typeface="Roboto" panose="020B0604020202020204" charset="0"/>
+                <a:cs typeface="72" panose="020B0503030000000003" pitchFamily="34" charset="0"/>
+              </a:rPr>
+              <a:t>Diseño: 5 puntos</a:t>
+            </a:r>
+          </a:p>
+          <a:p>
+            <a:pPr marL="342900" indent="-342900">
+              <a:buFont typeface="Arial" panose="020B0604020202020204" pitchFamily="34" charset="0"/>
+              <a:buChar char="•"/>
+            </a:pPr>
+            <a:r>
+              <a:rPr lang="es-MX" sz="2000" dirty="0">
+                <a:latin typeface="72" panose="020B0503030000000003" pitchFamily="34" charset="0"/>
+                <a:ea typeface="Roboto" panose="020B0604020202020204" charset="0"/>
+                <a:cs typeface="72" panose="020B0503030000000003" pitchFamily="34" charset="0"/>
+              </a:rPr>
+              <a:t>Grabación: 5 puntos</a:t>
+            </a:r>
+            <a:endParaRPr lang="en-US" sz="2000" dirty="0">
+              <a:latin typeface="72" panose="020B0503030000000003" pitchFamily="34" charset="0"/>
+              <a:ea typeface="Roboto" panose="020B0604020202020204" charset="0"/>
+              <a:cs typeface="72" panose="020B0503030000000003" pitchFamily="34" charset="0"/>
+            </a:endParaRPr>
+          </a:p>
+        </p:txBody>
+      </p:sp>
+    </p:spTree>
+    <p:extLst>
+      <p:ext uri="{BB962C8B-B14F-4D97-AF65-F5344CB8AC3E}">
+        <p14:creationId xmlns:p14="http://schemas.microsoft.com/office/powerpoint/2010/main" val="233804973"/>
+      </p:ext>
+    </p:extLst>
+  </p:cSld>
+  <p:clrMapOvr>
+    <a:masterClrMapping/>
+  </p:clrMapOvr>
+</p:sld>
+</file>
+
 <file path=ppt/slides/slide2.xml><?xml version="1.0" encoding="utf-8"?>
 <p:sld xmlns:a="http://schemas.openxmlformats.org/drawingml/2006/main" xmlns:r="http://schemas.openxmlformats.org/officeDocument/2006/relationships" xmlns:p="http://schemas.openxmlformats.org/presentationml/2006/main">
   <p:cSld>
@@ -9967,7 +10163,7 @@
                 <a:latin typeface="72" panose="020B0503030000000003" pitchFamily="34" charset="0"/>
                 <a:cs typeface="72" panose="020B0503030000000003" pitchFamily="34" charset="0"/>
               </a:rPr>
-              <a:t>Se entregará un documento que explique y detalle el funcionamiento de la clases o clases generadas. Puedes encontrar un documento de diseño en </a:t>
+              <a:t>Se entregará un documento que explique y detalle el funcionamiento de la clase o clases generadas. Puedes encontrar un documento de diseño en </a:t>
             </a:r>
             <a:r>
               <a:rPr lang="es-MX" sz="2000" dirty="0" err="1">
